--- a/SNV_reanalysis/code_plots/finalFigure/Figure1pptx.pptx
+++ b/SNV_reanalysis/code_plots/finalFigure/Figure1pptx.pptx
@@ -7,7 +7,7 @@
   <p:sldIdLst>
     <p:sldId id="256" r:id="rId2"/>
   </p:sldIdLst>
-  <p:sldSz cx="9144000" cy="6858000" type="screen4x3"/>
+  <p:sldSz cx="9144000" cy="13716000"/>
   <p:notesSz cx="6858000" cy="9144000"/>
   <p:defaultTextStyle>
     <a:defPPr>
@@ -136,8 +136,8 @@
         </p:nvSpPr>
         <p:spPr>
           <a:xfrm>
-            <a:off x="685800" y="2130425"/>
-            <a:ext cx="7772400" cy="1470025"/>
+            <a:off x="685800" y="4260851"/>
+            <a:ext cx="7772400" cy="2940050"/>
           </a:xfrm>
         </p:spPr>
         <p:txBody>
@@ -164,8 +164,8 @@
         </p:nvSpPr>
         <p:spPr>
           <a:xfrm>
-            <a:off x="1371600" y="3886200"/>
-            <a:ext cx="6400800" cy="1752600"/>
+            <a:off x="1371600" y="7772400"/>
+            <a:ext cx="6400800" cy="3505200"/>
           </a:xfrm>
         </p:spPr>
         <p:txBody>
@@ -288,7 +288,7 @@
           <a:p>
             <a:fld id="{EF61DB02-2273-7742-A2CB-3D7C229AA03F}" type="datetimeFigureOut">
               <a:rPr lang="en-US" smtClean="0"/>
-              <a:t>6/29/17</a:t>
+              <a:t>7/2/17</a:t>
             </a:fld>
             <a:endParaRPr lang="en-US"/>
           </a:p>
@@ -458,7 +458,7 @@
           <a:p>
             <a:fld id="{EF61DB02-2273-7742-A2CB-3D7C229AA03F}" type="datetimeFigureOut">
               <a:rPr lang="en-US" smtClean="0"/>
-              <a:t>6/29/17</a:t>
+              <a:t>7/2/17</a:t>
             </a:fld>
             <a:endParaRPr lang="en-US"/>
           </a:p>
@@ -548,8 +548,8 @@
         </p:nvSpPr>
         <p:spPr>
           <a:xfrm>
-            <a:off x="6629400" y="274638"/>
-            <a:ext cx="2057400" cy="5851525"/>
+            <a:off x="6629400" y="549277"/>
+            <a:ext cx="2057400" cy="11703050"/>
           </a:xfrm>
         </p:spPr>
         <p:txBody>
@@ -576,8 +576,8 @@
         </p:nvSpPr>
         <p:spPr>
           <a:xfrm>
-            <a:off x="457200" y="274638"/>
-            <a:ext cx="6019800" cy="5851525"/>
+            <a:off x="457200" y="549277"/>
+            <a:ext cx="6019800" cy="11703050"/>
           </a:xfrm>
         </p:spPr>
         <p:txBody>
@@ -638,7 +638,7 @@
           <a:p>
             <a:fld id="{EF61DB02-2273-7742-A2CB-3D7C229AA03F}" type="datetimeFigureOut">
               <a:rPr lang="en-US" smtClean="0"/>
-              <a:t>6/29/17</a:t>
+              <a:t>7/2/17</a:t>
             </a:fld>
             <a:endParaRPr lang="en-US"/>
           </a:p>
@@ -808,7 +808,7 @@
           <a:p>
             <a:fld id="{EF61DB02-2273-7742-A2CB-3D7C229AA03F}" type="datetimeFigureOut">
               <a:rPr lang="en-US" smtClean="0"/>
-              <a:t>6/29/17</a:t>
+              <a:t>7/2/17</a:t>
             </a:fld>
             <a:endParaRPr lang="en-US"/>
           </a:p>
@@ -898,8 +898,8 @@
         </p:nvSpPr>
         <p:spPr>
           <a:xfrm>
-            <a:off x="722313" y="4406900"/>
-            <a:ext cx="7772400" cy="1362075"/>
+            <a:off x="722313" y="8813801"/>
+            <a:ext cx="7772400" cy="2724150"/>
           </a:xfrm>
         </p:spPr>
         <p:txBody>
@@ -930,8 +930,8 @@
         </p:nvSpPr>
         <p:spPr>
           <a:xfrm>
-            <a:off x="722313" y="2906713"/>
-            <a:ext cx="7772400" cy="1500187"/>
+            <a:off x="722313" y="5813427"/>
+            <a:ext cx="7772400" cy="3000374"/>
           </a:xfrm>
         </p:spPr>
         <p:txBody>
@@ -1054,7 +1054,7 @@
           <a:p>
             <a:fld id="{EF61DB02-2273-7742-A2CB-3D7C229AA03F}" type="datetimeFigureOut">
               <a:rPr lang="en-US" smtClean="0"/>
-              <a:t>6/29/17</a:t>
+              <a:t>7/2/17</a:t>
             </a:fld>
             <a:endParaRPr lang="en-US"/>
           </a:p>
@@ -1167,8 +1167,8 @@
         </p:nvSpPr>
         <p:spPr>
           <a:xfrm>
-            <a:off x="457200" y="1600200"/>
-            <a:ext cx="4038600" cy="4525963"/>
+            <a:off x="457200" y="3200401"/>
+            <a:ext cx="4038600" cy="9051926"/>
           </a:xfrm>
         </p:spPr>
         <p:txBody>
@@ -1252,8 +1252,8 @@
         </p:nvSpPr>
         <p:spPr>
           <a:xfrm>
-            <a:off x="4648200" y="1600200"/>
-            <a:ext cx="4038600" cy="4525963"/>
+            <a:off x="4648200" y="3200401"/>
+            <a:ext cx="4038600" cy="9051926"/>
           </a:xfrm>
         </p:spPr>
         <p:txBody>
@@ -1342,7 +1342,7 @@
           <a:p>
             <a:fld id="{EF61DB02-2273-7742-A2CB-3D7C229AA03F}" type="datetimeFigureOut">
               <a:rPr lang="en-US" smtClean="0"/>
-              <a:t>6/29/17</a:t>
+              <a:t>7/2/17</a:t>
             </a:fld>
             <a:endParaRPr lang="en-US"/>
           </a:p>
@@ -1459,8 +1459,8 @@
         </p:nvSpPr>
         <p:spPr>
           <a:xfrm>
-            <a:off x="457200" y="1535113"/>
-            <a:ext cx="4040188" cy="639762"/>
+            <a:off x="457200" y="3070226"/>
+            <a:ext cx="4040188" cy="1279524"/>
           </a:xfrm>
         </p:spPr>
         <p:txBody>
@@ -1524,8 +1524,8 @@
         </p:nvSpPr>
         <p:spPr>
           <a:xfrm>
-            <a:off x="457200" y="2174875"/>
-            <a:ext cx="4040188" cy="3951288"/>
+            <a:off x="457200" y="4349750"/>
+            <a:ext cx="4040188" cy="7902576"/>
           </a:xfrm>
         </p:spPr>
         <p:txBody>
@@ -1609,8 +1609,8 @@
         </p:nvSpPr>
         <p:spPr>
           <a:xfrm>
-            <a:off x="4645025" y="1535113"/>
-            <a:ext cx="4041775" cy="639762"/>
+            <a:off x="4645026" y="3070226"/>
+            <a:ext cx="4041775" cy="1279524"/>
           </a:xfrm>
         </p:spPr>
         <p:txBody>
@@ -1674,8 +1674,8 @@
         </p:nvSpPr>
         <p:spPr>
           <a:xfrm>
-            <a:off x="4645025" y="2174875"/>
-            <a:ext cx="4041775" cy="3951288"/>
+            <a:off x="4645026" y="4349750"/>
+            <a:ext cx="4041775" cy="7902576"/>
           </a:xfrm>
         </p:spPr>
         <p:txBody>
@@ -1764,7 +1764,7 @@
           <a:p>
             <a:fld id="{EF61DB02-2273-7742-A2CB-3D7C229AA03F}" type="datetimeFigureOut">
               <a:rPr lang="en-US" smtClean="0"/>
-              <a:t>6/29/17</a:t>
+              <a:t>7/2/17</a:t>
             </a:fld>
             <a:endParaRPr lang="en-US"/>
           </a:p>
@@ -1882,7 +1882,7 @@
           <a:p>
             <a:fld id="{EF61DB02-2273-7742-A2CB-3D7C229AA03F}" type="datetimeFigureOut">
               <a:rPr lang="en-US" smtClean="0"/>
-              <a:t>6/29/17</a:t>
+              <a:t>7/2/17</a:t>
             </a:fld>
             <a:endParaRPr lang="en-US"/>
           </a:p>
@@ -1977,7 +1977,7 @@
           <a:p>
             <a:fld id="{EF61DB02-2273-7742-A2CB-3D7C229AA03F}" type="datetimeFigureOut">
               <a:rPr lang="en-US" smtClean="0"/>
-              <a:t>6/29/17</a:t>
+              <a:t>7/2/17</a:t>
             </a:fld>
             <a:endParaRPr lang="en-US"/>
           </a:p>
@@ -2067,8 +2067,8 @@
         </p:nvSpPr>
         <p:spPr>
           <a:xfrm>
-            <a:off x="457200" y="273050"/>
-            <a:ext cx="3008313" cy="1162050"/>
+            <a:off x="457201" y="546100"/>
+            <a:ext cx="3008313" cy="2324100"/>
           </a:xfrm>
         </p:spPr>
         <p:txBody>
@@ -2099,8 +2099,8 @@
         </p:nvSpPr>
         <p:spPr>
           <a:xfrm>
-            <a:off x="3575050" y="273050"/>
-            <a:ext cx="5111750" cy="5853113"/>
+            <a:off x="3575050" y="546101"/>
+            <a:ext cx="5111750" cy="11706226"/>
           </a:xfrm>
         </p:spPr>
         <p:txBody>
@@ -2184,8 +2184,8 @@
         </p:nvSpPr>
         <p:spPr>
           <a:xfrm>
-            <a:off x="457200" y="1435100"/>
-            <a:ext cx="3008313" cy="4691063"/>
+            <a:off x="457201" y="2870201"/>
+            <a:ext cx="3008313" cy="9382126"/>
           </a:xfrm>
         </p:spPr>
         <p:txBody>
@@ -2254,7 +2254,7 @@
           <a:p>
             <a:fld id="{EF61DB02-2273-7742-A2CB-3D7C229AA03F}" type="datetimeFigureOut">
               <a:rPr lang="en-US" smtClean="0"/>
-              <a:t>6/29/17</a:t>
+              <a:t>7/2/17</a:t>
             </a:fld>
             <a:endParaRPr lang="en-US"/>
           </a:p>
@@ -2344,8 +2344,8 @@
         </p:nvSpPr>
         <p:spPr>
           <a:xfrm>
-            <a:off x="1792288" y="4800600"/>
-            <a:ext cx="5486400" cy="566738"/>
+            <a:off x="1792288" y="9601200"/>
+            <a:ext cx="5486400" cy="1133476"/>
           </a:xfrm>
         </p:spPr>
         <p:txBody>
@@ -2376,8 +2376,8 @@
         </p:nvSpPr>
         <p:spPr>
           <a:xfrm>
-            <a:off x="1792288" y="612775"/>
-            <a:ext cx="5486400" cy="4114800"/>
+            <a:off x="1792288" y="1225550"/>
+            <a:ext cx="5486400" cy="8229600"/>
           </a:xfrm>
         </p:spPr>
         <p:txBody>
@@ -2437,8 +2437,8 @@
         </p:nvSpPr>
         <p:spPr>
           <a:xfrm>
-            <a:off x="1792288" y="5367338"/>
-            <a:ext cx="5486400" cy="804862"/>
+            <a:off x="1792288" y="10734676"/>
+            <a:ext cx="5486400" cy="1609724"/>
           </a:xfrm>
         </p:spPr>
         <p:txBody>
@@ -2507,7 +2507,7 @@
           <a:p>
             <a:fld id="{EF61DB02-2273-7742-A2CB-3D7C229AA03F}" type="datetimeFigureOut">
               <a:rPr lang="en-US" smtClean="0"/>
-              <a:t>6/29/17</a:t>
+              <a:t>7/2/17</a:t>
             </a:fld>
             <a:endParaRPr lang="en-US"/>
           </a:p>
@@ -2602,8 +2602,8 @@
         </p:nvSpPr>
         <p:spPr>
           <a:xfrm>
-            <a:off x="457200" y="274638"/>
-            <a:ext cx="8229600" cy="1143000"/>
+            <a:off x="457200" y="549276"/>
+            <a:ext cx="8229600" cy="2286000"/>
           </a:xfrm>
           <a:prstGeom prst="rect">
             <a:avLst/>
@@ -2635,8 +2635,8 @@
         </p:nvSpPr>
         <p:spPr>
           <a:xfrm>
-            <a:off x="457200" y="1600200"/>
-            <a:ext cx="8229600" cy="4525963"/>
+            <a:off x="457200" y="3200401"/>
+            <a:ext cx="8229600" cy="9051926"/>
           </a:xfrm>
           <a:prstGeom prst="rect">
             <a:avLst/>
@@ -2697,8 +2697,8 @@
         </p:nvSpPr>
         <p:spPr>
           <a:xfrm>
-            <a:off x="457200" y="6356350"/>
-            <a:ext cx="2133600" cy="365125"/>
+            <a:off x="457200" y="12712701"/>
+            <a:ext cx="2133600" cy="730250"/>
           </a:xfrm>
           <a:prstGeom prst="rect">
             <a:avLst/>
@@ -2720,7 +2720,7 @@
           <a:p>
             <a:fld id="{EF61DB02-2273-7742-A2CB-3D7C229AA03F}" type="datetimeFigureOut">
               <a:rPr lang="en-US" smtClean="0"/>
-              <a:t>6/29/17</a:t>
+              <a:t>7/2/17</a:t>
             </a:fld>
             <a:endParaRPr lang="en-US"/>
           </a:p>
@@ -2738,8 +2738,8 @@
         </p:nvSpPr>
         <p:spPr>
           <a:xfrm>
-            <a:off x="3124200" y="6356350"/>
-            <a:ext cx="2895600" cy="365125"/>
+            <a:off x="3124200" y="12712701"/>
+            <a:ext cx="2895600" cy="730250"/>
           </a:xfrm>
           <a:prstGeom prst="rect">
             <a:avLst/>
@@ -2775,8 +2775,8 @@
         </p:nvSpPr>
         <p:spPr>
           <a:xfrm>
-            <a:off x="6553200" y="6356350"/>
-            <a:ext cx="2133600" cy="365125"/>
+            <a:off x="6553200" y="12712701"/>
+            <a:ext cx="2133600" cy="730250"/>
           </a:xfrm>
           <a:prstGeom prst="rect">
             <a:avLst/>
@@ -3117,8 +3117,8 @@
         </p:blipFill>
         <p:spPr>
           <a:xfrm>
-            <a:off x="3174493" y="583653"/>
-            <a:ext cx="1092200" cy="457200"/>
+            <a:off x="818757" y="7551115"/>
+            <a:ext cx="1092200" cy="914400"/>
           </a:xfrm>
           <a:prstGeom prst="rect">
             <a:avLst/>
@@ -3147,8 +3147,8 @@
         </p:blipFill>
         <p:spPr>
           <a:xfrm>
-            <a:off x="7275155" y="2902304"/>
-            <a:ext cx="1257300" cy="2159000"/>
+            <a:off x="5047888" y="7527165"/>
+            <a:ext cx="935704" cy="3213530"/>
           </a:xfrm>
           <a:prstGeom prst="rect">
             <a:avLst/>
@@ -3177,8 +3177,8 @@
         </p:blipFill>
         <p:spPr>
           <a:xfrm>
-            <a:off x="7364055" y="405853"/>
-            <a:ext cx="1168400" cy="1270000"/>
+            <a:off x="2308538" y="7503349"/>
+            <a:ext cx="885193" cy="1924331"/>
           </a:xfrm>
           <a:prstGeom prst="rect">
             <a:avLst/>
@@ -3207,8 +3207,8 @@
         </p:blipFill>
         <p:spPr>
           <a:xfrm>
-            <a:off x="3179664" y="3003904"/>
-            <a:ext cx="1244600" cy="2057400"/>
+            <a:off x="3737983" y="7628275"/>
+            <a:ext cx="863914" cy="2856205"/>
           </a:xfrm>
           <a:prstGeom prst="rect">
             <a:avLst/>
@@ -3237,8 +3237,8 @@
         </p:blipFill>
         <p:spPr>
           <a:xfrm>
-            <a:off x="649714" y="583653"/>
-            <a:ext cx="2524779" cy="1893584"/>
+            <a:off x="649715" y="1167306"/>
+            <a:ext cx="2524779" cy="2184400"/>
           </a:xfrm>
           <a:prstGeom prst="rect">
             <a:avLst/>
@@ -3267,8 +3267,8 @@
         </p:blipFill>
         <p:spPr>
           <a:xfrm>
-            <a:off x="4727634" y="583653"/>
-            <a:ext cx="2547521" cy="1910641"/>
+            <a:off x="3766965" y="1133193"/>
+            <a:ext cx="2547521" cy="2218513"/>
           </a:xfrm>
           <a:prstGeom prst="rect">
             <a:avLst/>
@@ -3297,8 +3297,8 @@
         </p:blipFill>
         <p:spPr>
           <a:xfrm>
-            <a:off x="649714" y="3048307"/>
-            <a:ext cx="2539795" cy="1904846"/>
+            <a:off x="620734" y="3898778"/>
+            <a:ext cx="2539795" cy="2969667"/>
           </a:xfrm>
           <a:prstGeom prst="rect">
             <a:avLst/>
@@ -3327,8 +3327,8 @@
         </p:blipFill>
         <p:spPr>
           <a:xfrm>
-            <a:off x="4727634" y="3040804"/>
-            <a:ext cx="2528720" cy="1896540"/>
+            <a:off x="3737983" y="3849658"/>
+            <a:ext cx="2528720" cy="2956718"/>
           </a:xfrm>
           <a:prstGeom prst="rect">
             <a:avLst/>
@@ -3343,7 +3343,7 @@
         </p:nvSpPr>
         <p:spPr>
           <a:xfrm>
-            <a:off x="429314" y="405853"/>
+            <a:off x="429314" y="811707"/>
             <a:ext cx="303370" cy="276999"/>
           </a:xfrm>
           <a:prstGeom prst="rect">
@@ -3373,7 +3373,7 @@
         </p:nvSpPr>
         <p:spPr>
           <a:xfrm>
-            <a:off x="4424264" y="419753"/>
+            <a:off x="3463594" y="805393"/>
             <a:ext cx="303370" cy="276999"/>
           </a:xfrm>
           <a:prstGeom prst="rect">
@@ -3391,7 +3391,6 @@
               <a:rPr lang="en-US" sz="1200" b="1" dirty="0"/>
               <a:t>B</a:t>
             </a:r>
-            <a:endParaRPr lang="en-US" sz="1200" b="1" dirty="0"/>
           </a:p>
         </p:txBody>
       </p:sp>
@@ -3403,7 +3402,7 @@
         </p:nvSpPr>
         <p:spPr>
           <a:xfrm>
-            <a:off x="430029" y="2902304"/>
+            <a:off x="401048" y="3606773"/>
             <a:ext cx="303370" cy="276999"/>
           </a:xfrm>
           <a:prstGeom prst="rect">
@@ -3421,7 +3420,6 @@
               <a:rPr lang="en-US" sz="1200" b="1" dirty="0"/>
               <a:t>C</a:t>
             </a:r>
-            <a:endParaRPr lang="en-US" sz="1200" b="1" dirty="0"/>
           </a:p>
         </p:txBody>
       </p:sp>
@@ -3433,7 +3431,7 @@
         </p:nvSpPr>
         <p:spPr>
           <a:xfrm>
-            <a:off x="4424264" y="2902304"/>
+            <a:off x="3434613" y="3572659"/>
             <a:ext cx="303370" cy="276999"/>
           </a:xfrm>
           <a:prstGeom prst="rect">
@@ -3463,8 +3461,8 @@
         </p:nvSpPr>
         <p:spPr>
           <a:xfrm>
-            <a:off x="5800043" y="3337813"/>
-            <a:ext cx="1018227" cy="200055"/>
+            <a:off x="4810393" y="4443677"/>
+            <a:ext cx="992579" cy="200055"/>
           </a:xfrm>
           <a:prstGeom prst="rect">
             <a:avLst/>
@@ -3513,7 +3511,7 @@
         </p:nvSpPr>
         <p:spPr>
           <a:xfrm>
-            <a:off x="958864" y="405853"/>
+            <a:off x="958865" y="811706"/>
             <a:ext cx="2215629" cy="261610"/>
           </a:xfrm>
           <a:prstGeom prst="rect">
@@ -3544,7 +3542,7 @@
         </p:nvSpPr>
         <p:spPr>
           <a:xfrm>
-            <a:off x="5059526" y="402273"/>
+            <a:off x="4098857" y="770432"/>
             <a:ext cx="2215629" cy="261610"/>
           </a:xfrm>
           <a:prstGeom prst="rect">
@@ -3575,7 +3573,7 @@
         </p:nvSpPr>
         <p:spPr>
           <a:xfrm>
-            <a:off x="973880" y="2873099"/>
+            <a:off x="944900" y="3548362"/>
             <a:ext cx="2215629" cy="261610"/>
           </a:xfrm>
           <a:prstGeom prst="rect">
@@ -3606,7 +3604,7 @@
         </p:nvSpPr>
         <p:spPr>
           <a:xfrm>
-            <a:off x="5040725" y="2873099"/>
+            <a:off x="4051075" y="3514248"/>
             <a:ext cx="2215629" cy="261610"/>
           </a:xfrm>
           <a:prstGeom prst="rect">
@@ -3629,6 +3627,257 @@
           </a:p>
         </p:txBody>
       </p:sp>
+      <p:sp>
+        <p:nvSpPr>
+          <p:cNvPr id="2" name="TextBox 1"/>
+          <p:cNvSpPr txBox="1"/>
+          <p:nvPr/>
+        </p:nvSpPr>
+        <p:spPr>
+          <a:xfrm rot="16200000">
+            <a:off x="5614804" y="8753145"/>
+            <a:ext cx="1766567" cy="369332"/>
+          </a:xfrm>
+          <a:prstGeom prst="rect">
+            <a:avLst/>
+          </a:prstGeom>
+          <a:noFill/>
+        </p:spPr>
+        <p:txBody>
+          <a:bodyPr wrap="none" rtlCol="0">
+            <a:spAutoFit/>
+          </a:bodyPr>
+          <a:lstStyle/>
+          <a:p>
+            <a:r>
+              <a:rPr lang="en-US" dirty="0" smtClean="0"/>
+              <a:t>Genetic Distance</a:t>
+            </a:r>
+            <a:endParaRPr lang="en-US" dirty="0"/>
+          </a:p>
+        </p:txBody>
+      </p:sp>
+      <p:cxnSp>
+        <p:nvCxnSpPr>
+          <p:cNvPr id="21" name="Straight Arrow Connector 20"/>
+          <p:cNvCxnSpPr/>
+          <p:nvPr/>
+        </p:nvCxnSpPr>
+        <p:spPr>
+          <a:xfrm>
+            <a:off x="6217195" y="7790846"/>
+            <a:ext cx="33418" cy="2419907"/>
+          </a:xfrm>
+          <a:prstGeom prst="straightConnector1">
+            <a:avLst/>
+          </a:prstGeom>
+          <a:ln>
+            <a:solidFill>
+              <a:schemeClr val="tx1"/>
+            </a:solidFill>
+            <a:tailEnd type="arrow"/>
+          </a:ln>
+        </p:spPr>
+        <p:style>
+          <a:lnRef idx="2">
+            <a:schemeClr val="accent1"/>
+          </a:lnRef>
+          <a:fillRef idx="0">
+            <a:schemeClr val="accent1"/>
+          </a:fillRef>
+          <a:effectRef idx="1">
+            <a:schemeClr val="accent1"/>
+          </a:effectRef>
+          <a:fontRef idx="minor">
+            <a:schemeClr val="tx1"/>
+          </a:fontRef>
+        </p:style>
+      </p:cxnSp>
+      <p:sp>
+        <p:nvSpPr>
+          <p:cNvPr id="22" name="TextBox 21"/>
+          <p:cNvSpPr txBox="1"/>
+          <p:nvPr/>
+        </p:nvSpPr>
+        <p:spPr>
+          <a:xfrm>
+            <a:off x="932354" y="7258943"/>
+            <a:ext cx="978603" cy="369332"/>
+          </a:xfrm>
+          <a:prstGeom prst="rect">
+            <a:avLst/>
+          </a:prstGeom>
+          <a:noFill/>
+        </p:spPr>
+        <p:txBody>
+          <a:bodyPr wrap="none" rtlCol="0">
+            <a:spAutoFit/>
+          </a:bodyPr>
+          <a:lstStyle/>
+          <a:p>
+            <a:r>
+              <a:rPr lang="en-US" dirty="0" smtClean="0"/>
+              <a:t>Model A</a:t>
+            </a:r>
+            <a:endParaRPr lang="en-US" dirty="0"/>
+          </a:p>
+        </p:txBody>
+      </p:sp>
+      <p:sp>
+        <p:nvSpPr>
+          <p:cNvPr id="23" name="TextBox 22"/>
+          <p:cNvSpPr txBox="1"/>
+          <p:nvPr/>
+        </p:nvSpPr>
+        <p:spPr>
+          <a:xfrm>
+            <a:off x="2308538" y="7258943"/>
+            <a:ext cx="970601" cy="369332"/>
+          </a:xfrm>
+          <a:prstGeom prst="rect">
+            <a:avLst/>
+          </a:prstGeom>
+          <a:noFill/>
+        </p:spPr>
+        <p:txBody>
+          <a:bodyPr wrap="none" rtlCol="0">
+            <a:spAutoFit/>
+          </a:bodyPr>
+          <a:lstStyle/>
+          <a:p>
+            <a:r>
+              <a:rPr lang="en-US" dirty="0" smtClean="0"/>
+              <a:t>Model B</a:t>
+            </a:r>
+            <a:endParaRPr lang="en-US" dirty="0"/>
+          </a:p>
+        </p:txBody>
+      </p:sp>
+      <p:sp>
+        <p:nvSpPr>
+          <p:cNvPr id="24" name="TextBox 23"/>
+          <p:cNvSpPr txBox="1"/>
+          <p:nvPr/>
+        </p:nvSpPr>
+        <p:spPr>
+          <a:xfrm>
+            <a:off x="3737983" y="7258943"/>
+            <a:ext cx="968121" cy="369332"/>
+          </a:xfrm>
+          <a:prstGeom prst="rect">
+            <a:avLst/>
+          </a:prstGeom>
+          <a:noFill/>
+        </p:spPr>
+        <p:txBody>
+          <a:bodyPr wrap="none" rtlCol="0">
+            <a:spAutoFit/>
+          </a:bodyPr>
+          <a:lstStyle/>
+          <a:p>
+            <a:r>
+              <a:rPr lang="en-US" dirty="0" smtClean="0"/>
+              <a:t>Model C</a:t>
+            </a:r>
+            <a:endParaRPr lang="en-US" dirty="0"/>
+          </a:p>
+        </p:txBody>
+      </p:sp>
+      <p:sp>
+        <p:nvSpPr>
+          <p:cNvPr id="25" name="TextBox 24"/>
+          <p:cNvSpPr txBox="1"/>
+          <p:nvPr/>
+        </p:nvSpPr>
+        <p:spPr>
+          <a:xfrm>
+            <a:off x="5047888" y="7236848"/>
+            <a:ext cx="987057" cy="369332"/>
+          </a:xfrm>
+          <a:prstGeom prst="rect">
+            <a:avLst/>
+          </a:prstGeom>
+          <a:noFill/>
+        </p:spPr>
+        <p:txBody>
+          <a:bodyPr wrap="none" rtlCol="0">
+            <a:spAutoFit/>
+          </a:bodyPr>
+          <a:lstStyle/>
+          <a:p>
+            <a:r>
+              <a:rPr lang="en-US" dirty="0" smtClean="0"/>
+              <a:t>Model D</a:t>
+            </a:r>
+            <a:endParaRPr lang="en-US" dirty="0"/>
+          </a:p>
+        </p:txBody>
+      </p:sp>
+      <p:sp>
+        <p:nvSpPr>
+          <p:cNvPr id="27" name="TextBox 26"/>
+          <p:cNvSpPr txBox="1"/>
+          <p:nvPr/>
+        </p:nvSpPr>
+        <p:spPr>
+          <a:xfrm>
+            <a:off x="249363" y="7120443"/>
+            <a:ext cx="303370" cy="276999"/>
+          </a:xfrm>
+          <a:prstGeom prst="rect">
+            <a:avLst/>
+          </a:prstGeom>
+          <a:noFill/>
+        </p:spPr>
+        <p:txBody>
+          <a:bodyPr wrap="square" rtlCol="0">
+            <a:spAutoFit/>
+          </a:bodyPr>
+          <a:lstStyle/>
+          <a:p>
+            <a:r>
+              <a:rPr lang="en-US" sz="1200" b="1" dirty="0"/>
+              <a:t>E</a:t>
+            </a:r>
+            <a:endParaRPr lang="en-US" sz="1200" b="1" dirty="0"/>
+          </a:p>
+        </p:txBody>
+      </p:sp>
+      <p:cxnSp>
+        <p:nvCxnSpPr>
+          <p:cNvPr id="29" name="Straight Connector 28"/>
+          <p:cNvCxnSpPr/>
+          <p:nvPr/>
+        </p:nvCxnSpPr>
+        <p:spPr>
+          <a:xfrm>
+            <a:off x="249363" y="7120443"/>
+            <a:ext cx="6295136" cy="0"/>
+          </a:xfrm>
+          <a:prstGeom prst="line">
+            <a:avLst/>
+          </a:prstGeom>
+          <a:ln>
+            <a:solidFill>
+              <a:schemeClr val="tx1"/>
+            </a:solidFill>
+          </a:ln>
+        </p:spPr>
+        <p:style>
+          <a:lnRef idx="2">
+            <a:schemeClr val="accent1"/>
+          </a:lnRef>
+          <a:fillRef idx="0">
+            <a:schemeClr val="accent1"/>
+          </a:fillRef>
+          <a:effectRef idx="1">
+            <a:schemeClr val="accent1"/>
+          </a:effectRef>
+          <a:fontRef idx="minor">
+            <a:schemeClr val="tx1"/>
+          </a:fontRef>
+        </p:style>
+      </p:cxnSp>
     </p:spTree>
     <p:extLst>
       <p:ext uri="{BB962C8B-B14F-4D97-AF65-F5344CB8AC3E}">
